--- a/assets/final-project-presentation-mikecastillo.pptx
+++ b/assets/final-project-presentation-mikecastillo.pptx
@@ -5,10 +5,10 @@
     <p:sldMasterId id="2147483648" r:id="rId1"/>
   </p:sldMasterIdLst>
   <p:notesMasterIdLst>
-    <p:notesMasterId r:id="rId9"/>
+    <p:notesMasterId r:id="rId8"/>
   </p:notesMasterIdLst>
   <p:handoutMasterIdLst>
-    <p:handoutMasterId r:id="rId10"/>
+    <p:handoutMasterId r:id="rId9"/>
   </p:handoutMasterIdLst>
   <p:sldIdLst>
     <p:sldId id="256" r:id="rId2"/>
@@ -17,7 +17,6 @@
     <p:sldId id="258" r:id="rId5"/>
     <p:sldId id="259" r:id="rId6"/>
     <p:sldId id="260" r:id="rId7"/>
-    <p:sldId id="263" r:id="rId8"/>
   </p:sldIdLst>
   <p:sldSz cx="12192000" cy="6858000"/>
   <p:notesSz cx="6858000" cy="9144000"/>
@@ -229,7 +228,7 @@
           <a:p>
             <a:fld id="{5C0D1BA7-F5A1-9F4B-A82F-B43F82C27B00}" type="datetimeFigureOut">
               <a:rPr lang="en-US" smtClean="0"/>
-              <a:t>5/31/19</a:t>
+              <a:t>6/14/19</a:t>
             </a:fld>
             <a:endParaRPr lang="en-US"/>
           </a:p>
@@ -407,7 +406,7 @@
           <a:p>
             <a:fld id="{8D9A5B30-DB7F-5C45-9C40-884625786196}" type="datetimeFigureOut">
               <a:rPr lang="en-US" smtClean="0"/>
-              <a:t>5/31/19</a:t>
+              <a:t>6/14/19</a:t>
             </a:fld>
             <a:endParaRPr lang="en-US"/>
           </a:p>
@@ -1162,254 +1161,6 @@
     <p:extLst>
       <p:ext uri="{BB962C8B-B14F-4D97-AF65-F5344CB8AC3E}">
         <p14:creationId xmlns:p14="http://schemas.microsoft.com/office/powerpoint/2010/main" val="3565483919"/>
-      </p:ext>
-    </p:extLst>
-  </p:cSld>
-  <p:clrMapOvr>
-    <a:masterClrMapping/>
-  </p:clrMapOvr>
-</p:notes>
-</file>
-
-<file path=ppt/notesSlides/notesSlide3.xml><?xml version="1.0" encoding="utf-8"?>
-<p:notes xmlns:a="http://schemas.openxmlformats.org/drawingml/2006/main" xmlns:r="http://schemas.openxmlformats.org/officeDocument/2006/relationships" xmlns:p="http://schemas.openxmlformats.org/presentationml/2006/main">
-  <p:cSld>
-    <p:spTree>
-      <p:nvGrpSpPr>
-        <p:cNvPr id="1" name=""/>
-        <p:cNvGrpSpPr/>
-        <p:nvPr/>
-      </p:nvGrpSpPr>
-      <p:grpSpPr>
-        <a:xfrm>
-          <a:off x="0" y="0"/>
-          <a:ext cx="0" cy="0"/>
-          <a:chOff x="0" y="0"/>
-          <a:chExt cx="0" cy="0"/>
-        </a:xfrm>
-      </p:grpSpPr>
-      <p:sp>
-        <p:nvSpPr>
-          <p:cNvPr id="2" name="Slide Image Placeholder 1"/>
-          <p:cNvSpPr>
-            <a:spLocks noGrp="1" noRot="1" noChangeAspect="1"/>
-          </p:cNvSpPr>
-          <p:nvPr>
-            <p:ph type="sldImg"/>
-          </p:nvPr>
-        </p:nvSpPr>
-        <p:spPr/>
-      </p:sp>
-      <p:sp>
-        <p:nvSpPr>
-          <p:cNvPr id="3" name="Notes Placeholder 2"/>
-          <p:cNvSpPr>
-            <a:spLocks noGrp="1"/>
-          </p:cNvSpPr>
-          <p:nvPr>
-            <p:ph type="body" idx="1"/>
-          </p:nvPr>
-        </p:nvSpPr>
-        <p:spPr/>
-        <p:txBody>
-          <a:bodyPr/>
-          <a:lstStyle/>
-          <a:p>
-            <a:r>
-              <a:rPr lang="en-US" sz="1200" kern="1200" dirty="0">
-                <a:solidFill>
-                  <a:schemeClr val="tx1"/>
-                </a:solidFill>
-                <a:effectLst/>
-                <a:latin typeface="+mn-lt"/>
-                <a:ea typeface="+mn-ea"/>
-                <a:cs typeface="+mn-cs"/>
-              </a:rPr>
-              <a:t>The presentation of any project to an audience must flow like a story. Your narrative should open on a conflict, hint at the potential resolution for that problem, depict the steps taken to resolve the issue, and finally end on the resolution of the conflict with an eye toward the future. </a:t>
-            </a:r>
-          </a:p>
-          <a:p>
-            <a:br>
-              <a:rPr lang="en-US" sz="1200" kern="1200" dirty="0">
-                <a:solidFill>
-                  <a:schemeClr val="tx1"/>
-                </a:solidFill>
-                <a:effectLst/>
-                <a:latin typeface="+mn-lt"/>
-                <a:ea typeface="+mn-ea"/>
-                <a:cs typeface="+mn-cs"/>
-              </a:rPr>
-            </a:br>
-            <a:endParaRPr lang="en-US" sz="1200" kern="1200" dirty="0">
-              <a:solidFill>
-                <a:schemeClr val="tx1"/>
-              </a:solidFill>
-              <a:effectLst/>
-              <a:latin typeface="+mn-lt"/>
-              <a:ea typeface="+mn-ea"/>
-              <a:cs typeface="+mn-cs"/>
-            </a:endParaRPr>
-          </a:p>
-          <a:p>
-            <a:r>
-              <a:rPr lang="en-US" sz="1200" kern="1200" dirty="0">
-                <a:solidFill>
-                  <a:schemeClr val="tx1"/>
-                </a:solidFill>
-                <a:effectLst/>
-                <a:latin typeface="+mn-lt"/>
-                <a:ea typeface="+mn-ea"/>
-                <a:cs typeface="+mn-cs"/>
-              </a:rPr>
-              <a:t>In other words:</a:t>
-            </a:r>
-          </a:p>
-          <a:p>
-            <a:br>
-              <a:rPr lang="en-US" sz="1200" kern="1200" dirty="0">
-                <a:solidFill>
-                  <a:schemeClr val="tx1"/>
-                </a:solidFill>
-                <a:effectLst/>
-                <a:latin typeface="+mn-lt"/>
-                <a:ea typeface="+mn-ea"/>
-                <a:cs typeface="+mn-cs"/>
-              </a:rPr>
-            </a:br>
-            <a:endParaRPr lang="en-US" sz="1200" kern="1200" dirty="0">
-              <a:solidFill>
-                <a:schemeClr val="tx1"/>
-              </a:solidFill>
-              <a:effectLst/>
-              <a:latin typeface="+mn-lt"/>
-              <a:ea typeface="+mn-ea"/>
-              <a:cs typeface="+mn-cs"/>
-            </a:endParaRPr>
-          </a:p>
-          <a:p>
-            <a:r>
-              <a:rPr lang="en-US" sz="1200" kern="1200" dirty="0">
-                <a:solidFill>
-                  <a:schemeClr val="tx1"/>
-                </a:solidFill>
-                <a:effectLst/>
-                <a:latin typeface="+mn-lt"/>
-                <a:ea typeface="+mn-ea"/>
-                <a:cs typeface="+mn-cs"/>
-              </a:rPr>
-              <a:t>What problem does your app focus on?</a:t>
-            </a:r>
-          </a:p>
-          <a:p>
-            <a:r>
-              <a:rPr lang="en-US" sz="1200" kern="1200" dirty="0">
-                <a:solidFill>
-                  <a:schemeClr val="tx1"/>
-                </a:solidFill>
-                <a:effectLst/>
-                <a:latin typeface="+mn-lt"/>
-                <a:ea typeface="+mn-ea"/>
-                <a:cs typeface="+mn-cs"/>
-              </a:rPr>
-              <a:t>How does your app solve this problem at a high-level?</a:t>
-            </a:r>
-          </a:p>
-          <a:p>
-            <a:r>
-              <a:rPr lang="en-US" sz="1200" kern="1200" dirty="0">
-                <a:solidFill>
-                  <a:schemeClr val="tx1"/>
-                </a:solidFill>
-                <a:effectLst/>
-                <a:latin typeface="+mn-lt"/>
-                <a:ea typeface="+mn-ea"/>
-                <a:cs typeface="+mn-cs"/>
-              </a:rPr>
-              <a:t>What steps did you take to build the app?</a:t>
-            </a:r>
-          </a:p>
-          <a:p>
-            <a:r>
-              <a:rPr lang="en-US" sz="1200" kern="1200" dirty="0">
-                <a:solidFill>
-                  <a:schemeClr val="tx1"/>
-                </a:solidFill>
-                <a:effectLst/>
-                <a:latin typeface="+mn-lt"/>
-                <a:ea typeface="+mn-ea"/>
-                <a:cs typeface="+mn-cs"/>
-              </a:rPr>
-              <a:t>Show the app running and solving the problem that began your story</a:t>
-            </a:r>
-          </a:p>
-          <a:p>
-            <a:br>
-              <a:rPr lang="en-US" sz="1200" kern="1200" dirty="0">
-                <a:solidFill>
-                  <a:schemeClr val="tx1"/>
-                </a:solidFill>
-                <a:effectLst/>
-                <a:latin typeface="+mn-lt"/>
-                <a:ea typeface="+mn-ea"/>
-                <a:cs typeface="+mn-cs"/>
-              </a:rPr>
-            </a:br>
-            <a:endParaRPr lang="en-US" sz="1200" kern="1200" dirty="0">
-              <a:solidFill>
-                <a:schemeClr val="tx1"/>
-              </a:solidFill>
-              <a:effectLst/>
-              <a:latin typeface="+mn-lt"/>
-              <a:ea typeface="+mn-ea"/>
-              <a:cs typeface="+mn-cs"/>
-            </a:endParaRPr>
-          </a:p>
-          <a:p>
-            <a:r>
-              <a:rPr lang="en-US" sz="1200" kern="1200" dirty="0">
-                <a:solidFill>
-                  <a:schemeClr val="tx1"/>
-                </a:solidFill>
-                <a:effectLst/>
-                <a:latin typeface="+mn-lt"/>
-                <a:ea typeface="+mn-ea"/>
-                <a:cs typeface="+mn-cs"/>
-              </a:rPr>
-              <a:t>Also talk about what features you'd like to add in an update to your app.</a:t>
-            </a:r>
-          </a:p>
-          <a:p>
-            <a:endParaRPr lang="en-US" dirty="0"/>
-          </a:p>
-        </p:txBody>
-      </p:sp>
-      <p:sp>
-        <p:nvSpPr>
-          <p:cNvPr id="4" name="Slide Number Placeholder 3"/>
-          <p:cNvSpPr>
-            <a:spLocks noGrp="1"/>
-          </p:cNvSpPr>
-          <p:nvPr>
-            <p:ph type="sldNum" sz="quarter" idx="5"/>
-          </p:nvPr>
-        </p:nvSpPr>
-        <p:spPr/>
-        <p:txBody>
-          <a:bodyPr/>
-          <a:lstStyle/>
-          <a:p>
-            <a:fld id="{0D63501B-3577-B345-B739-E50C4D8D4B65}" type="slidenum">
-              <a:rPr lang="en-US" smtClean="0"/>
-              <a:t>7</a:t>
-            </a:fld>
-            <a:endParaRPr lang="en-US"/>
-          </a:p>
-        </p:txBody>
-      </p:sp>
-    </p:spTree>
-    <p:extLst>
-      <p:ext uri="{BB962C8B-B14F-4D97-AF65-F5344CB8AC3E}">
-        <p14:creationId xmlns:p14="http://schemas.microsoft.com/office/powerpoint/2010/main" val="91803377"/>
       </p:ext>
     </p:extLst>
   </p:cSld>
@@ -2136,7 +1887,7 @@
                 <a:ea typeface="Ayuthaya" pitchFamily="2" charset="-34"/>
                 <a:cs typeface="Ayuthaya" pitchFamily="2" charset="-34"/>
               </a:rPr>
-              <a:t>1 / 7</a:t>
+              <a:t>1 / 6</a:t>
             </a:r>
           </a:p>
         </p:txBody>
@@ -2655,7 +2406,7 @@
                 <a:ea typeface="Ayuthaya" pitchFamily="2" charset="-34"/>
                 <a:cs typeface="Ayuthaya" pitchFamily="2" charset="-34"/>
               </a:rPr>
-              <a:t>2 / 7</a:t>
+              <a:t>2 / 6</a:t>
             </a:r>
           </a:p>
         </p:txBody>
@@ -2903,7 +2654,7 @@
                 <a:ea typeface="Ayuthaya" pitchFamily="2" charset="-34"/>
                 <a:cs typeface="Ayuthaya" pitchFamily="2" charset="-34"/>
               </a:rPr>
-              <a:t> / 7</a:t>
+              <a:t> / 6</a:t>
             </a:r>
           </a:p>
         </p:txBody>
@@ -3145,7 +2896,7 @@
                 <a:ea typeface="Ayuthaya" pitchFamily="2" charset="-34"/>
                 <a:cs typeface="Ayuthaya" pitchFamily="2" charset="-34"/>
               </a:rPr>
-              <a:t> / 7</a:t>
+              <a:t> / 6</a:t>
             </a:r>
           </a:p>
         </p:txBody>
@@ -3445,7 +3196,7 @@
                 <a:ea typeface="Ayuthaya" pitchFamily="2" charset="-34"/>
                 <a:cs typeface="Ayuthaya" pitchFamily="2" charset="-34"/>
               </a:rPr>
-              <a:t> / 7</a:t>
+              <a:t> / 6</a:t>
             </a:r>
           </a:p>
         </p:txBody>
@@ -4062,7 +3813,7 @@
                 <a:ea typeface="Ayuthaya" pitchFamily="2" charset="-34"/>
                 <a:cs typeface="Ayuthaya" pitchFamily="2" charset="-34"/>
               </a:rPr>
-              <a:t> / 7</a:t>
+              <a:t> / 6</a:t>
             </a:r>
           </a:p>
         </p:txBody>
@@ -4071,380 +3822,6 @@
     <p:extLst>
       <p:ext uri="{BB962C8B-B14F-4D97-AF65-F5344CB8AC3E}">
         <p14:creationId xmlns:p14="http://schemas.microsoft.com/office/powerpoint/2010/main" val="1033819777"/>
-      </p:ext>
-    </p:extLst>
-  </p:cSld>
-  <p:clrMapOvr>
-    <a:masterClrMapping/>
-  </p:clrMapOvr>
-</p:sld>
-</file>
-
-<file path=ppt/slides/slide7.xml><?xml version="1.0" encoding="utf-8"?>
-<p:sld xmlns:a="http://schemas.openxmlformats.org/drawingml/2006/main" xmlns:r="http://schemas.openxmlformats.org/officeDocument/2006/relationships" xmlns:p="http://schemas.openxmlformats.org/presentationml/2006/main">
-  <p:cSld>
-    <p:spTree>
-      <p:nvGrpSpPr>
-        <p:cNvPr id="1" name=""/>
-        <p:cNvGrpSpPr/>
-        <p:nvPr/>
-      </p:nvGrpSpPr>
-      <p:grpSpPr>
-        <a:xfrm>
-          <a:off x="0" y="0"/>
-          <a:ext cx="0" cy="0"/>
-          <a:chOff x="0" y="0"/>
-          <a:chExt cx="0" cy="0"/>
-        </a:xfrm>
-      </p:grpSpPr>
-      <p:sp>
-        <p:nvSpPr>
-          <p:cNvPr id="4" name="Title 3">
-            <a:extLst>
-              <a:ext uri="{FF2B5EF4-FFF2-40B4-BE49-F238E27FC236}">
-                <a16:creationId xmlns:a16="http://schemas.microsoft.com/office/drawing/2014/main" id="{BF38949D-395C-4D41-9E02-81AD7FFF722B}"/>
-              </a:ext>
-            </a:extLst>
-          </p:cNvPr>
-          <p:cNvSpPr>
-            <a:spLocks noGrp="1"/>
-          </p:cNvSpPr>
-          <p:nvPr>
-            <p:ph type="title" idx="4294967295"/>
-          </p:nvPr>
-        </p:nvSpPr>
-        <p:spPr>
-          <a:xfrm>
-            <a:off x="329801" y="210234"/>
-            <a:ext cx="6286899" cy="646331"/>
-          </a:xfrm>
-          <a:prstGeom prst="rect">
-            <a:avLst/>
-          </a:prstGeom>
-        </p:spPr>
-        <p:txBody>
-          <a:bodyPr>
-            <a:noAutofit/>
-          </a:bodyPr>
-          <a:lstStyle/>
-          <a:p>
-            <a:r>
-              <a:rPr lang="en-US" sz="2000" b="1" dirty="0">
-                <a:solidFill>
-                  <a:schemeClr val="accent1"/>
-                </a:solidFill>
-                <a:latin typeface="Frutiger 75 Black" pitchFamily="2" charset="0"/>
-                <a:ea typeface="Ayuthaya" pitchFamily="2" charset="-34"/>
-                <a:cs typeface="Ayuthaya" pitchFamily="2" charset="-34"/>
-              </a:rPr>
-              <a:t>$ Bill Payment Tracker </a:t>
-            </a:r>
-            <a:r>
-              <a:rPr lang="en-US" sz="2000" dirty="0">
-                <a:solidFill>
-                  <a:schemeClr val="accent1"/>
-                </a:solidFill>
-                <a:latin typeface="Frutiger 45 Light" pitchFamily="2" charset="0"/>
-                <a:ea typeface="Ayuthaya" pitchFamily="2" charset="-34"/>
-                <a:cs typeface="Ayuthaya" pitchFamily="2" charset="-34"/>
-              </a:rPr>
-              <a:t>/ After Action Review</a:t>
-            </a:r>
-          </a:p>
-        </p:txBody>
-      </p:sp>
-      <p:sp>
-        <p:nvSpPr>
-          <p:cNvPr id="15" name="Rectangle 14">
-            <a:extLst>
-              <a:ext uri="{FF2B5EF4-FFF2-40B4-BE49-F238E27FC236}">
-                <a16:creationId xmlns:a16="http://schemas.microsoft.com/office/drawing/2014/main" id="{0B35843A-AAD9-624D-82A7-F360E7F56A7A}"/>
-              </a:ext>
-            </a:extLst>
-          </p:cNvPr>
-          <p:cNvSpPr/>
-          <p:nvPr/>
-        </p:nvSpPr>
-        <p:spPr>
-          <a:xfrm>
-            <a:off x="355201" y="856565"/>
-            <a:ext cx="11480800" cy="5663089"/>
-          </a:xfrm>
-          <a:prstGeom prst="rect">
-            <a:avLst/>
-          </a:prstGeom>
-        </p:spPr>
-        <p:txBody>
-          <a:bodyPr wrap="square">
-            <a:spAutoFit/>
-          </a:bodyPr>
-          <a:lstStyle/>
-          <a:p>
-            <a:r>
-              <a:rPr lang="en-US" sz="2400" b="1" dirty="0">
-                <a:latin typeface="Frutiger 65" pitchFamily="2" charset="0"/>
-              </a:rPr>
-              <a:t>Obstacles I encountered</a:t>
-            </a:r>
-          </a:p>
-          <a:p>
-            <a:endParaRPr lang="en-US" sz="1600" dirty="0">
-              <a:latin typeface="Frutiger 45 Light" pitchFamily="2" charset="0"/>
-            </a:endParaRPr>
-          </a:p>
-          <a:p>
-            <a:pPr marL="285750" indent="-285750">
-              <a:buFont typeface="Arial" panose="020B0604020202020204" pitchFamily="34" charset="0"/>
-              <a:buChar char="•"/>
-            </a:pPr>
-            <a:r>
-              <a:rPr lang="en-US" sz="1600" dirty="0">
-                <a:latin typeface="Frutiger 45 Light" pitchFamily="2" charset="0"/>
-              </a:rPr>
-              <a:t>I experienced many moments of severe anxiety. Seriously. It was not fun. </a:t>
-            </a:r>
-          </a:p>
-          <a:p>
-            <a:pPr marL="285750" indent="-285750">
-              <a:buFont typeface="Arial" panose="020B0604020202020204" pitchFamily="34" charset="0"/>
-              <a:buChar char="•"/>
-            </a:pPr>
-            <a:r>
-              <a:rPr lang="en-US" sz="1600" dirty="0">
-                <a:latin typeface="Frutiger 45 Light" pitchFamily="2" charset="0"/>
-              </a:rPr>
-              <a:t>I could not write code without lots of starter example(s).</a:t>
-            </a:r>
-          </a:p>
-          <a:p>
-            <a:pPr marL="285750" indent="-285750">
-              <a:buFont typeface="Arial" panose="020B0604020202020204" pitchFamily="34" charset="0"/>
-              <a:buChar char="•"/>
-            </a:pPr>
-            <a:r>
-              <a:rPr lang="en-US" sz="1600" dirty="0">
-                <a:latin typeface="Frutiger 45 Light" pitchFamily="2" charset="0"/>
-              </a:rPr>
-              <a:t>The organization of files for both front and back end code was challenging and took a lot of time.</a:t>
-            </a:r>
-          </a:p>
-          <a:p>
-            <a:pPr marL="285750" indent="-285750">
-              <a:buFont typeface="Arial" panose="020B0604020202020204" pitchFamily="34" charset="0"/>
-              <a:buChar char="•"/>
-            </a:pPr>
-            <a:r>
-              <a:rPr lang="en-US" sz="1600" dirty="0">
-                <a:latin typeface="Frutiger 45 Light" pitchFamily="2" charset="0"/>
-              </a:rPr>
-              <a:t>I could not determine the correct database schema or determine whether a SQL database would have been a better choice.</a:t>
-            </a:r>
-          </a:p>
-          <a:p>
-            <a:pPr marL="285750" indent="-285750">
-              <a:buFont typeface="Arial" panose="020B0604020202020204" pitchFamily="34" charset="0"/>
-              <a:buChar char="•"/>
-            </a:pPr>
-            <a:r>
-              <a:rPr lang="en-US" sz="1600" dirty="0">
-                <a:latin typeface="Frutiger 45 Light" pitchFamily="2" charset="0"/>
-              </a:rPr>
-              <a:t>React was and continues to be difficult for me (JSX, component architecture, classes vs functions, state &amp; props, routing, basically everything!).</a:t>
-            </a:r>
-          </a:p>
-          <a:p>
-            <a:pPr marL="285750" indent="-285750">
-              <a:buFont typeface="Arial" panose="020B0604020202020204" pitchFamily="34" charset="0"/>
-              <a:buChar char="•"/>
-            </a:pPr>
-            <a:r>
-              <a:rPr lang="en-US" sz="1600" dirty="0">
-                <a:latin typeface="Frutiger 45 Light" pitchFamily="2" charset="0"/>
-              </a:rPr>
-              <a:t>I need more practice with JavaScript ES6+ programming constructs (spread operator, destructuring, object and array methods, arrow functions).</a:t>
-            </a:r>
-          </a:p>
-          <a:p>
-            <a:pPr marL="285750" indent="-285750">
-              <a:buFont typeface="Arial" panose="020B0604020202020204" pitchFamily="34" charset="0"/>
-              <a:buChar char="•"/>
-            </a:pPr>
-            <a:r>
-              <a:rPr lang="en-US" sz="1600" dirty="0">
-                <a:latin typeface="Frutiger 45 Light" pitchFamily="2" charset="0"/>
-              </a:rPr>
-              <a:t>Responsive design is not easy without Bootstrap training wheels (I need to spend time with CSS Grid and CSS Flexbox, etc.).</a:t>
-            </a:r>
-          </a:p>
-          <a:p>
-            <a:pPr marL="285750" indent="-285750">
-              <a:buFont typeface="Arial" panose="020B0604020202020204" pitchFamily="34" charset="0"/>
-              <a:buChar char="•"/>
-            </a:pPr>
-            <a:r>
-              <a:rPr lang="en-US" sz="1600" dirty="0">
-                <a:latin typeface="Frutiger 45 Light" pitchFamily="2" charset="0"/>
-              </a:rPr>
-              <a:t>There is currently no form validation (not good for any production application).</a:t>
-            </a:r>
-          </a:p>
-          <a:p>
-            <a:pPr marL="285750" indent="-285750">
-              <a:buFont typeface="Arial" panose="020B0604020202020204" pitchFamily="34" charset="0"/>
-              <a:buChar char="•"/>
-            </a:pPr>
-            <a:r>
-              <a:rPr lang="en-US" sz="1600" dirty="0">
-                <a:latin typeface="Frutiger 45 Light" pitchFamily="2" charset="0"/>
-              </a:rPr>
-              <a:t>I completed a full tutorial on user authentication with Passport.js and JSON Web Tokens, but unfortunately, I was unable to successfully login with my newly-created users.</a:t>
-            </a:r>
-          </a:p>
-          <a:p>
-            <a:pPr marL="285750" indent="-285750">
-              <a:buFont typeface="Arial" panose="020B0604020202020204" pitchFamily="34" charset="0"/>
-              <a:buChar char="•"/>
-            </a:pPr>
-            <a:r>
-              <a:rPr lang="en-US" sz="1600" dirty="0">
-                <a:latin typeface="Frutiger 45 Light" pitchFamily="2" charset="0"/>
-              </a:rPr>
-              <a:t>I reviewed several blogs and tutorials covering authentication with Auth0, but ultimately could not figure out how to implement that either.</a:t>
-            </a:r>
-          </a:p>
-          <a:p>
-            <a:pPr marL="285750" indent="-285750">
-              <a:buFont typeface="Arial" panose="020B0604020202020204" pitchFamily="34" charset="0"/>
-              <a:buChar char="•"/>
-            </a:pPr>
-            <a:r>
-              <a:rPr lang="en-US" sz="1600" dirty="0">
-                <a:latin typeface="Frutiger 45 Light" pitchFamily="2" charset="0"/>
-              </a:rPr>
-              <a:t>Deployment went fairly smooth, but required a great deal of time and research.</a:t>
-            </a:r>
-          </a:p>
-          <a:p>
-            <a:pPr marL="285750" indent="-285750">
-              <a:buFont typeface="Arial" panose="020B0604020202020204" pitchFamily="34" charset="0"/>
-              <a:buChar char="•"/>
-            </a:pPr>
-            <a:r>
-              <a:rPr lang="en-US" sz="1600" dirty="0">
-                <a:latin typeface="Frutiger 45 Light" pitchFamily="2" charset="0"/>
-              </a:rPr>
-              <a:t>I’m sure I’m leaving out about 1,000 other things that caused me grief and need improvement...</a:t>
-            </a:r>
-          </a:p>
-          <a:p>
-            <a:pPr marL="285750" indent="-285750">
-              <a:buFont typeface="Arial" panose="020B0604020202020204" pitchFamily="34" charset="0"/>
-              <a:buChar char="•"/>
-            </a:pPr>
-            <a:endParaRPr lang="en-US" sz="1600" dirty="0">
-              <a:latin typeface="Frutiger 45 Light" pitchFamily="2" charset="0"/>
-            </a:endParaRPr>
-          </a:p>
-          <a:p>
-            <a:r>
-              <a:rPr lang="en-US" b="1" dirty="0">
-                <a:solidFill>
-                  <a:prstClr val="black"/>
-                </a:solidFill>
-                <a:latin typeface="Frutiger 65" pitchFamily="2" charset="0"/>
-              </a:rPr>
-              <a:t>Questions?</a:t>
-            </a:r>
-            <a:endParaRPr lang="en-US" sz="1400" dirty="0">
-              <a:latin typeface="Frutiger 45 Light" pitchFamily="2" charset="0"/>
-            </a:endParaRPr>
-          </a:p>
-          <a:p>
-            <a:pPr marL="285750" indent="-285750">
-              <a:buFont typeface="Arial" panose="020B0604020202020204" pitchFamily="34" charset="0"/>
-              <a:buChar char="•"/>
-            </a:pPr>
-            <a:endParaRPr lang="en-US" sz="1400" dirty="0">
-              <a:latin typeface="Frutiger 45 Light" pitchFamily="2" charset="0"/>
-            </a:endParaRPr>
-          </a:p>
-          <a:p>
-            <a:pPr marL="285750" indent="-285750">
-              <a:buFont typeface="Arial" panose="020B0604020202020204" pitchFamily="34" charset="0"/>
-              <a:buChar char="•"/>
-            </a:pPr>
-            <a:endParaRPr lang="en-US" dirty="0">
-              <a:latin typeface="Frutiger 45 Light" pitchFamily="2" charset="0"/>
-            </a:endParaRPr>
-          </a:p>
-        </p:txBody>
-      </p:sp>
-      <p:sp>
-        <p:nvSpPr>
-          <p:cNvPr id="6" name="Title 3">
-            <a:extLst>
-              <a:ext uri="{FF2B5EF4-FFF2-40B4-BE49-F238E27FC236}">
-                <a16:creationId xmlns:a16="http://schemas.microsoft.com/office/drawing/2014/main" id="{D01E82C4-646B-0642-BCCD-88EB8CEC5C57}"/>
-              </a:ext>
-            </a:extLst>
-          </p:cNvPr>
-          <p:cNvSpPr txBox="1">
-            <a:spLocks/>
-          </p:cNvSpPr>
-          <p:nvPr/>
-        </p:nvSpPr>
-        <p:spPr>
-          <a:xfrm>
-            <a:off x="286063" y="6586618"/>
-            <a:ext cx="500517" cy="357744"/>
-          </a:xfrm>
-          <a:prstGeom prst="rect">
-            <a:avLst/>
-          </a:prstGeom>
-        </p:spPr>
-        <p:txBody>
-          <a:bodyPr>
-            <a:noAutofit/>
-          </a:bodyPr>
-          <a:lstStyle>
-            <a:lvl1pPr algn="l" defTabSz="914400" rtl="0" eaLnBrk="1" latinLnBrk="0" hangingPunct="1">
-              <a:lnSpc>
-                <a:spcPct val="90000"/>
-              </a:lnSpc>
-              <a:spcBef>
-                <a:spcPct val="0"/>
-              </a:spcBef>
-              <a:buNone/>
-              <a:defRPr sz="1400" b="0" i="0" kern="1200">
-                <a:solidFill>
-                  <a:schemeClr val="tx1"/>
-                </a:solidFill>
-                <a:latin typeface="Frutiger 45 Light" pitchFamily="2" charset="0"/>
-                <a:ea typeface="+mj-ea"/>
-                <a:cs typeface="+mj-cs"/>
-              </a:defRPr>
-            </a:lvl1pPr>
-          </a:lstStyle>
-          <a:p>
-            <a:pPr algn="l"/>
-            <a:r>
-              <a:rPr lang="en-US" sz="1000" b="0" i="0" dirty="0">
-                <a:solidFill>
-                  <a:schemeClr val="accent1"/>
-                </a:solidFill>
-                <a:latin typeface="Frutiger 55 Roman" pitchFamily="2" charset="0"/>
-                <a:ea typeface="Ayuthaya" pitchFamily="2" charset="-34"/>
-                <a:cs typeface="Ayuthaya" pitchFamily="2" charset="-34"/>
-              </a:rPr>
-              <a:t>7 / 7</a:t>
-            </a:r>
-          </a:p>
-        </p:txBody>
-      </p:sp>
-    </p:spTree>
-    <p:extLst>
-      <p:ext uri="{BB962C8B-B14F-4D97-AF65-F5344CB8AC3E}">
-        <p14:creationId xmlns:p14="http://schemas.microsoft.com/office/powerpoint/2010/main" val="3412273392"/>
       </p:ext>
     </p:extLst>
   </p:cSld>
